--- a/NPS - afleverpunten - samenvatting.pptx
+++ b/NPS - afleverpunten - samenvatting.pptx
@@ -5,10 +5,10 @@
     <p:sldMasterId id="2147483727" r:id="rId1"/>
   </p:sldMasterIdLst>
   <p:notesMasterIdLst>
-    <p:notesMasterId r:id="rId12"/>
+    <p:notesMasterId r:id="rId13"/>
   </p:notesMasterIdLst>
   <p:handoutMasterIdLst>
-    <p:handoutMasterId r:id="rId13"/>
+    <p:handoutMasterId r:id="rId14"/>
   </p:handoutMasterIdLst>
   <p:sldIdLst>
     <p:sldId id="256" r:id="rId2"/>
@@ -20,7 +20,8 @@
     <p:sldId id="289" r:id="rId8"/>
     <p:sldId id="290" r:id="rId9"/>
     <p:sldId id="292" r:id="rId10"/>
-    <p:sldId id="287" r:id="rId11"/>
+    <p:sldId id="296" r:id="rId11"/>
+    <p:sldId id="287" r:id="rId12"/>
   </p:sldIdLst>
   <p:sldSz cx="12190413" cy="6859588"/>
   <p:notesSz cx="6858000" cy="9144000"/>
@@ -3177,7 +3178,7 @@
             <a:fld id="{2FA47AD2-5FF1-481E-BA17-92A87AC9FFEC}" type="datetimeFigureOut">
               <a:rPr lang="en-GB" smtClean="0"/>
               <a:pPr/>
-              <a:t>25/04/2019</a:t>
+              <a:t>29/04/2019</a:t>
             </a:fld>
             <a:endParaRPr lang="en-GB" dirty="0"/>
           </a:p>
@@ -3344,7 +3345,7 @@
             <a:fld id="{7CAC0B33-3943-42F1-973C-9CDD51C76BBD}" type="datetimeFigureOut">
               <a:rPr lang="en-GB" smtClean="0"/>
               <a:pPr/>
-              <a:t>25/04/2019</a:t>
+              <a:t>29/04/2019</a:t>
             </a:fld>
             <a:endParaRPr lang="en-GB" dirty="0"/>
           </a:p>
@@ -4209,7 +4210,7 @@
             <a:fld id="{697381A9-0C9E-4D3A-A28B-AC4E168A57BC}" type="slidenum">
               <a:rPr lang="en-GB" smtClean="0"/>
               <a:pPr/>
-              <a:t>10</a:t>
+              <a:t>11</a:t>
             </a:fld>
             <a:endParaRPr lang="en-GB" dirty="0"/>
           </a:p>
@@ -44727,6 +44728,505 @@
       </p:grpSpPr>
       <p:sp>
         <p:nvSpPr>
+          <p:cNvPr id="2" name="Content Placeholder 1">
+            <a:extLst>
+              <a:ext uri="{FF2B5EF4-FFF2-40B4-BE49-F238E27FC236}">
+                <a16:creationId xmlns:a16="http://schemas.microsoft.com/office/drawing/2014/main" id="{CA4169E4-D593-4D46-9AC1-447537BAA5DA}"/>
+              </a:ext>
+            </a:extLst>
+          </p:cNvPr>
+          <p:cNvSpPr>
+            <a:spLocks noGrp="1"/>
+          </p:cNvSpPr>
+          <p:nvPr>
+            <p:ph idx="1"/>
+          </p:nvPr>
+        </p:nvSpPr>
+        <p:spPr/>
+        <p:txBody>
+          <a:bodyPr/>
+          <a:lstStyle/>
+          <a:p>
+            <a:r>
+              <a:rPr lang="en-US" dirty="0" err="1"/>
+              <a:t>Bij</a:t>
+            </a:r>
+            <a:r>
+              <a:rPr lang="en-US" dirty="0"/>
+              <a:t> </a:t>
+            </a:r>
+            <a:r>
+              <a:rPr lang="en-US" dirty="0" err="1"/>
+              <a:t>bol.com</a:t>
+            </a:r>
+            <a:r>
+              <a:rPr lang="en-US" dirty="0"/>
+              <a:t> OWN </a:t>
+            </a:r>
+            <a:r>
+              <a:rPr lang="en-US" dirty="0" err="1"/>
+              <a:t>kun</a:t>
+            </a:r>
+            <a:r>
+              <a:rPr lang="en-US" dirty="0"/>
+              <a:t> </a:t>
+            </a:r>
+            <a:r>
+              <a:rPr lang="en-US" dirty="0" err="1"/>
+              <a:t>je</a:t>
+            </a:r>
+            <a:r>
+              <a:rPr lang="en-US" dirty="0"/>
+              <a:t> </a:t>
+            </a:r>
+            <a:r>
+              <a:rPr lang="en-US" dirty="0" err="1"/>
+              <a:t>kiezen</a:t>
+            </a:r>
+            <a:r>
+              <a:rPr lang="en-US" dirty="0"/>
+              <a:t> of </a:t>
+            </a:r>
+            <a:r>
+              <a:rPr lang="en-US" dirty="0" err="1"/>
+              <a:t>je</a:t>
+            </a:r>
+            <a:r>
+              <a:rPr lang="en-US" dirty="0"/>
+              <a:t> het </a:t>
+            </a:r>
+            <a:r>
+              <a:rPr lang="en-US" dirty="0" err="1"/>
+              <a:t>bij</a:t>
+            </a:r>
+            <a:r>
+              <a:rPr lang="en-US" dirty="0"/>
+              <a:t> </a:t>
+            </a:r>
+            <a:r>
+              <a:rPr lang="en-US" dirty="0" err="1"/>
+              <a:t>afhaallocatie</a:t>
+            </a:r>
+            <a:r>
+              <a:rPr lang="en-US" dirty="0"/>
+              <a:t> </a:t>
+            </a:r>
+            <a:r>
+              <a:rPr lang="en-US" dirty="0" err="1"/>
+              <a:t>wil</a:t>
+            </a:r>
+            <a:r>
+              <a:rPr lang="en-US" dirty="0"/>
+              <a:t> of </a:t>
+            </a:r>
+            <a:r>
+              <a:rPr lang="en-US" dirty="0" err="1"/>
+              <a:t>bij</a:t>
+            </a:r>
+            <a:r>
+              <a:rPr lang="en-US" dirty="0"/>
+              <a:t> AH </a:t>
+            </a:r>
+            <a:r>
+              <a:rPr lang="en-US" dirty="0" err="1"/>
+              <a:t>bezorgd</a:t>
+            </a:r>
+            <a:r>
+              <a:rPr lang="en-US" dirty="0"/>
+              <a:t>. </a:t>
+            </a:r>
+          </a:p>
+          <a:p>
+            <a:r>
+              <a:rPr lang="en-US" dirty="0" err="1"/>
+              <a:t>Bij</a:t>
+            </a:r>
+            <a:r>
+              <a:rPr lang="en-US" dirty="0"/>
+              <a:t> Plaza </a:t>
+            </a:r>
+            <a:r>
+              <a:rPr lang="en-US" dirty="0" err="1"/>
+              <a:t>kan</a:t>
+            </a:r>
+            <a:r>
+              <a:rPr lang="en-US" dirty="0"/>
+              <a:t> </a:t>
+            </a:r>
+            <a:r>
+              <a:rPr lang="en-US" dirty="0" err="1"/>
+              <a:t>dit</a:t>
+            </a:r>
+            <a:r>
+              <a:rPr lang="en-US" dirty="0"/>
+              <a:t> NIET! </a:t>
+            </a:r>
+            <a:r>
+              <a:rPr lang="en-US" dirty="0">
+                <a:sym typeface="Wingdings" pitchFamily="2" charset="2"/>
+              </a:rPr>
+              <a:t> </a:t>
+            </a:r>
+            <a:r>
+              <a:rPr lang="en-US" dirty="0" err="1">
+                <a:sym typeface="Wingdings" pitchFamily="2" charset="2"/>
+              </a:rPr>
+              <a:t>daardoor</a:t>
+            </a:r>
+            <a:r>
+              <a:rPr lang="en-US" dirty="0">
+                <a:sym typeface="Wingdings" pitchFamily="2" charset="2"/>
+              </a:rPr>
+              <a:t> </a:t>
+            </a:r>
+            <a:r>
+              <a:rPr lang="en-US" dirty="0" err="1">
+                <a:sym typeface="Wingdings" pitchFamily="2" charset="2"/>
+              </a:rPr>
+              <a:t>wellicht</a:t>
+            </a:r>
+            <a:r>
+              <a:rPr lang="en-US" dirty="0">
+                <a:sym typeface="Wingdings" pitchFamily="2" charset="2"/>
+              </a:rPr>
+              <a:t> </a:t>
+            </a:r>
+            <a:r>
+              <a:rPr lang="en-US" dirty="0" err="1">
+                <a:sym typeface="Wingdings" pitchFamily="2" charset="2"/>
+              </a:rPr>
+              <a:t>meer</a:t>
+            </a:r>
+            <a:r>
+              <a:rPr lang="en-US" dirty="0">
+                <a:sym typeface="Wingdings" pitchFamily="2" charset="2"/>
+              </a:rPr>
+              <a:t> </a:t>
+            </a:r>
+            <a:r>
+              <a:rPr lang="en-US" dirty="0" err="1">
+                <a:sym typeface="Wingdings" pitchFamily="2" charset="2"/>
+              </a:rPr>
+              <a:t>ontevreden</a:t>
+            </a:r>
+            <a:r>
+              <a:rPr lang="en-US" dirty="0">
+                <a:sym typeface="Wingdings" pitchFamily="2" charset="2"/>
+              </a:rPr>
+              <a:t> </a:t>
+            </a:r>
+            <a:r>
+              <a:rPr lang="en-US" dirty="0" err="1">
+                <a:sym typeface="Wingdings" pitchFamily="2" charset="2"/>
+              </a:rPr>
+              <a:t>klanten</a:t>
+            </a:r>
+            <a:r>
+              <a:rPr lang="en-US" dirty="0">
+                <a:sym typeface="Wingdings" pitchFamily="2" charset="2"/>
+              </a:rPr>
+              <a:t> </a:t>
+            </a:r>
+            <a:r>
+              <a:rPr lang="en-US" dirty="0" err="1">
+                <a:sym typeface="Wingdings" pitchFamily="2" charset="2"/>
+              </a:rPr>
+              <a:t>omdat</a:t>
+            </a:r>
+            <a:r>
+              <a:rPr lang="en-US" dirty="0">
+                <a:sym typeface="Wingdings" pitchFamily="2" charset="2"/>
+              </a:rPr>
+              <a:t> </a:t>
+            </a:r>
+            <a:r>
+              <a:rPr lang="en-US" dirty="0" err="1">
+                <a:sym typeface="Wingdings" pitchFamily="2" charset="2"/>
+              </a:rPr>
+              <a:t>ze</a:t>
+            </a:r>
+            <a:r>
+              <a:rPr lang="en-US" dirty="0">
+                <a:sym typeface="Wingdings" pitchFamily="2" charset="2"/>
+              </a:rPr>
+              <a:t> </a:t>
+            </a:r>
+            <a:r>
+              <a:rPr lang="en-US" dirty="0" err="1">
+                <a:sym typeface="Wingdings" pitchFamily="2" charset="2"/>
+              </a:rPr>
+              <a:t>niet</a:t>
+            </a:r>
+            <a:r>
+              <a:rPr lang="en-US" dirty="0">
+                <a:sym typeface="Wingdings" pitchFamily="2" charset="2"/>
+              </a:rPr>
+              <a:t> </a:t>
+            </a:r>
+            <a:r>
+              <a:rPr lang="en-US" dirty="0" err="1">
+                <a:sym typeface="Wingdings" pitchFamily="2" charset="2"/>
+              </a:rPr>
+              <a:t>gekozen</a:t>
+            </a:r>
+            <a:r>
+              <a:rPr lang="en-US" dirty="0">
+                <a:sym typeface="Wingdings" pitchFamily="2" charset="2"/>
+              </a:rPr>
+              <a:t> </a:t>
+            </a:r>
+            <a:r>
+              <a:rPr lang="en-US" dirty="0" err="1">
+                <a:sym typeface="Wingdings" pitchFamily="2" charset="2"/>
+              </a:rPr>
+              <a:t>hebben</a:t>
+            </a:r>
+            <a:r>
+              <a:rPr lang="en-US" dirty="0">
+                <a:sym typeface="Wingdings" pitchFamily="2" charset="2"/>
+              </a:rPr>
+              <a:t> </a:t>
+            </a:r>
+            <a:r>
+              <a:rPr lang="en-US" dirty="0" err="1">
+                <a:sym typeface="Wingdings" pitchFamily="2" charset="2"/>
+              </a:rPr>
+              <a:t>voor</a:t>
+            </a:r>
+            <a:r>
+              <a:rPr lang="en-US" dirty="0">
+                <a:sym typeface="Wingdings" pitchFamily="2" charset="2"/>
+              </a:rPr>
+              <a:t> </a:t>
+            </a:r>
+            <a:r>
+              <a:rPr lang="en-US" dirty="0" err="1">
+                <a:sym typeface="Wingdings" pitchFamily="2" charset="2"/>
+              </a:rPr>
+              <a:t>afhaalpunt</a:t>
+            </a:r>
+            <a:r>
+              <a:rPr lang="en-US" dirty="0">
+                <a:sym typeface="Wingdings" pitchFamily="2" charset="2"/>
+              </a:rPr>
+              <a:t>.</a:t>
+            </a:r>
+          </a:p>
+          <a:p>
+            <a:r>
+              <a:rPr lang="en-US" dirty="0" err="1">
+                <a:sym typeface="Wingdings" pitchFamily="2" charset="2"/>
+              </a:rPr>
+              <a:t>Voortzetten</a:t>
+            </a:r>
+            <a:r>
+              <a:rPr lang="en-US" dirty="0">
+                <a:sym typeface="Wingdings" pitchFamily="2" charset="2"/>
+              </a:rPr>
+              <a:t> van </a:t>
+            </a:r>
+            <a:r>
+              <a:rPr lang="en-US" dirty="0" err="1">
+                <a:sym typeface="Wingdings" pitchFamily="2" charset="2"/>
+              </a:rPr>
+              <a:t>dit</a:t>
+            </a:r>
+            <a:r>
+              <a:rPr lang="en-US" dirty="0">
+                <a:sym typeface="Wingdings" pitchFamily="2" charset="2"/>
+              </a:rPr>
+              <a:t> </a:t>
+            </a:r>
+            <a:r>
+              <a:rPr lang="en-US" dirty="0" err="1">
+                <a:sym typeface="Wingdings" pitchFamily="2" charset="2"/>
+              </a:rPr>
+              <a:t>traject</a:t>
+            </a:r>
+            <a:r>
+              <a:rPr lang="en-US" dirty="0">
+                <a:sym typeface="Wingdings" pitchFamily="2" charset="2"/>
+              </a:rPr>
+              <a:t> </a:t>
+            </a:r>
+            <a:r>
+              <a:rPr lang="en-US" dirty="0" err="1">
+                <a:sym typeface="Wingdings" pitchFamily="2" charset="2"/>
+              </a:rPr>
+              <a:t>zou</a:t>
+            </a:r>
+            <a:r>
+              <a:rPr lang="en-US" dirty="0">
+                <a:sym typeface="Wingdings" pitchFamily="2" charset="2"/>
+              </a:rPr>
+              <a:t> </a:t>
+            </a:r>
+            <a:r>
+              <a:rPr lang="en-US" dirty="0" err="1">
+                <a:sym typeface="Wingdings" pitchFamily="2" charset="2"/>
+              </a:rPr>
+              <a:t>veel</a:t>
+            </a:r>
+            <a:r>
+              <a:rPr lang="en-US" dirty="0">
+                <a:sym typeface="Wingdings" pitchFamily="2" charset="2"/>
+              </a:rPr>
+              <a:t> stakeholders </a:t>
+            </a:r>
+            <a:r>
+              <a:rPr lang="en-US" dirty="0" err="1">
+                <a:sym typeface="Wingdings" pitchFamily="2" charset="2"/>
+              </a:rPr>
+              <a:t>omvatten</a:t>
+            </a:r>
+            <a:r>
+              <a:rPr lang="en-US" dirty="0">
+                <a:sym typeface="Wingdings" pitchFamily="2" charset="2"/>
+              </a:rPr>
+              <a:t>. Lang </a:t>
+            </a:r>
+            <a:r>
+              <a:rPr lang="en-US" dirty="0" err="1">
+                <a:sym typeface="Wingdings" pitchFamily="2" charset="2"/>
+              </a:rPr>
+              <a:t>traject</a:t>
+            </a:r>
+            <a:r>
+              <a:rPr lang="en-US" dirty="0">
+                <a:sym typeface="Wingdings" pitchFamily="2" charset="2"/>
+              </a:rPr>
+              <a:t>?</a:t>
+            </a:r>
+          </a:p>
+        </p:txBody>
+      </p:sp>
+      <p:sp>
+        <p:nvSpPr>
+          <p:cNvPr id="3" name="Text Placeholder 2">
+            <a:extLst>
+              <a:ext uri="{FF2B5EF4-FFF2-40B4-BE49-F238E27FC236}">
+                <a16:creationId xmlns:a16="http://schemas.microsoft.com/office/drawing/2014/main" id="{A979B54D-CC3B-D54B-8F37-F14071A47D03}"/>
+              </a:ext>
+            </a:extLst>
+          </p:cNvPr>
+          <p:cNvSpPr>
+            <a:spLocks noGrp="1"/>
+          </p:cNvSpPr>
+          <p:nvPr>
+            <p:ph type="body" sz="quarter" idx="13"/>
+          </p:nvPr>
+        </p:nvSpPr>
+        <p:spPr/>
+        <p:txBody>
+          <a:bodyPr/>
+          <a:lstStyle/>
+          <a:p>
+            <a:endParaRPr lang="en-US"/>
+          </a:p>
+        </p:txBody>
+      </p:sp>
+      <p:sp>
+        <p:nvSpPr>
+          <p:cNvPr id="4" name="Slide Number Placeholder 3">
+            <a:extLst>
+              <a:ext uri="{FF2B5EF4-FFF2-40B4-BE49-F238E27FC236}">
+                <a16:creationId xmlns:a16="http://schemas.microsoft.com/office/drawing/2014/main" id="{A0882B08-D7FE-7246-AA87-AC4D1A19BA32}"/>
+              </a:ext>
+            </a:extLst>
+          </p:cNvPr>
+          <p:cNvSpPr>
+            <a:spLocks noGrp="1"/>
+          </p:cNvSpPr>
+          <p:nvPr>
+            <p:ph type="sldNum" sz="quarter" idx="15"/>
+          </p:nvPr>
+        </p:nvSpPr>
+        <p:spPr/>
+        <p:txBody>
+          <a:bodyPr/>
+          <a:lstStyle/>
+          <a:p>
+            <a:fld id="{1336C48C-F87C-4E4B-81EF-5027B17D1F61}" type="slidenum">
+              <a:rPr lang="en-GB" noProof="1" smtClean="0"/>
+              <a:pPr/>
+              <a:t>10</a:t>
+            </a:fld>
+            <a:endParaRPr lang="en-GB" noProof="1"/>
+          </a:p>
+        </p:txBody>
+      </p:sp>
+      <p:sp>
+        <p:nvSpPr>
+          <p:cNvPr id="5" name="Title 4">
+            <a:extLst>
+              <a:ext uri="{FF2B5EF4-FFF2-40B4-BE49-F238E27FC236}">
+                <a16:creationId xmlns:a16="http://schemas.microsoft.com/office/drawing/2014/main" id="{37523FE0-034A-C24A-B9C9-3814417F8C74}"/>
+              </a:ext>
+            </a:extLst>
+          </p:cNvPr>
+          <p:cNvSpPr>
+            <a:spLocks noGrp="1"/>
+          </p:cNvSpPr>
+          <p:nvPr>
+            <p:ph type="title"/>
+          </p:nvPr>
+        </p:nvSpPr>
+        <p:spPr/>
+        <p:txBody>
+          <a:bodyPr/>
+          <a:lstStyle/>
+          <a:p>
+            <a:r>
+              <a:rPr lang="en-US" dirty="0" err="1"/>
+              <a:t>Oneerlijk</a:t>
+            </a:r>
+            <a:r>
+              <a:rPr lang="en-US" dirty="0"/>
+              <a:t> </a:t>
+            </a:r>
+            <a:r>
+              <a:rPr lang="en-US" dirty="0" err="1"/>
+              <a:t>voortraject</a:t>
+            </a:r>
+            <a:r>
+              <a:rPr lang="en-US" dirty="0"/>
+              <a:t>!</a:t>
+            </a:r>
+          </a:p>
+        </p:txBody>
+      </p:sp>
+    </p:spTree>
+    <p:extLst>
+      <p:ext uri="{BB962C8B-B14F-4D97-AF65-F5344CB8AC3E}">
+        <p14:creationId xmlns:p14="http://schemas.microsoft.com/office/powerpoint/2010/main" val="2338232154"/>
+      </p:ext>
+    </p:extLst>
+  </p:cSld>
+  <p:clrMapOvr>
+    <a:masterClrMapping/>
+  </p:clrMapOvr>
+</p:sld>
+</file>
+
+<file path=ppt/slides/slide11.xml><?xml version="1.0" encoding="utf-8"?>
+<p:sld xmlns:a="http://schemas.openxmlformats.org/drawingml/2006/main" xmlns:r="http://schemas.openxmlformats.org/officeDocument/2006/relationships" xmlns:p="http://schemas.openxmlformats.org/presentationml/2006/main">
+  <p:cSld>
+    <p:spTree>
+      <p:nvGrpSpPr>
+        <p:cNvPr id="1" name=""/>
+        <p:cNvGrpSpPr/>
+        <p:nvPr/>
+      </p:nvGrpSpPr>
+      <p:grpSpPr>
+        <a:xfrm>
+          <a:off x="0" y="0"/>
+          <a:ext cx="0" cy="0"/>
+          <a:chOff x="0" y="0"/>
+          <a:chExt cx="0" cy="0"/>
+        </a:xfrm>
+      </p:grpSpPr>
+      <p:sp>
+        <p:nvSpPr>
           <p:cNvPr id="2" name="Tijdelijke aanduiding voor tekst 1"/>
           <p:cNvSpPr>
             <a:spLocks noGrp="1" noRot="1" noMove="1" noResize="1" noEditPoints="1" noChangeShapeType="1"/>
@@ -44952,6 +45452,73 @@
               <a:t>superjoin</a:t>
             </a:r>
             <a:endParaRPr lang="en-GB" dirty="0"/>
+          </a:p>
+          <a:p>
+            <a:pPr lvl="2"/>
+            <a:endParaRPr lang="en-GB" dirty="0"/>
+          </a:p>
+          <a:p>
+            <a:pPr lvl="2"/>
+            <a:endParaRPr lang="en-GB" dirty="0"/>
+          </a:p>
+          <a:p>
+            <a:pPr lvl="2"/>
+            <a:r>
+              <a:rPr lang="en-GB" b="1" dirty="0" err="1"/>
+              <a:t>Eerste</a:t>
+            </a:r>
+            <a:r>
+              <a:rPr lang="en-GB" b="1" dirty="0"/>
+              <a:t> </a:t>
+            </a:r>
+            <a:r>
+              <a:rPr lang="en-GB" b="1" dirty="0" err="1"/>
+              <a:t>onderzoek</a:t>
+            </a:r>
+            <a:r>
+              <a:rPr lang="en-GB" b="1" dirty="0"/>
+              <a:t> </a:t>
+            </a:r>
+            <a:r>
+              <a:rPr lang="en-GB" b="1" dirty="0" err="1"/>
+              <a:t>voor</a:t>
+            </a:r>
+            <a:r>
+              <a:rPr lang="en-GB" b="1" dirty="0"/>
+              <a:t> </a:t>
+            </a:r>
+            <a:r>
+              <a:rPr lang="en-GB" b="1" dirty="0" err="1"/>
+              <a:t>zover</a:t>
+            </a:r>
+            <a:r>
+              <a:rPr lang="en-GB" b="1" dirty="0"/>
+              <a:t> </a:t>
+            </a:r>
+            <a:r>
+              <a:rPr lang="en-GB" b="1" dirty="0" err="1"/>
+              <a:t>bekend</a:t>
+            </a:r>
+            <a:r>
+              <a:rPr lang="en-GB" b="1" dirty="0"/>
+              <a:t> </a:t>
+            </a:r>
+            <a:r>
+              <a:rPr lang="en-GB" b="1" dirty="0" err="1"/>
+              <a:t>naar</a:t>
+            </a:r>
+            <a:r>
+              <a:rPr lang="en-GB" b="1" dirty="0"/>
+              <a:t> </a:t>
+            </a:r>
+            <a:r>
+              <a:rPr lang="en-GB" b="1" dirty="0" err="1"/>
+              <a:t>locatie</a:t>
+            </a:r>
+            <a:r>
+              <a:rPr lang="en-GB" b="1" dirty="0"/>
+              <a:t> van levering.</a:t>
+            </a:r>
           </a:p>
         </p:txBody>
       </p:sp>
